--- a/presentations/FinalOOSEPres1.pptx
+++ b/presentations/FinalOOSEPres1.pptx
@@ -12,8 +12,8 @@
     <p:sldId id="268" r:id="rId3"/>
     <p:sldId id="257" r:id="rId4"/>
     <p:sldId id="269" r:id="rId5"/>
-    <p:sldId id="271" r:id="rId6"/>
-    <p:sldId id="265" r:id="rId7"/>
+    <p:sldId id="265" r:id="rId6"/>
+    <p:sldId id="271" r:id="rId7"/>
     <p:sldId id="272" r:id="rId8"/>
     <p:sldId id="276" r:id="rId9"/>
     <p:sldId id="277" r:id="rId10"/>
@@ -126,7 +126,7 @@
   </p:defaultTextStyle>
   <p:extLst>
     <p:ext uri="{EFAFB233-063F-42B5-8137-9DF3F51BA10A}">
-      <p15:sldGuideLst xmlns:p15="http://schemas.microsoft.com/office/powerpoint/2012/main" xmlns="">
+      <p15:sldGuideLst xmlns:p15="http://schemas.microsoft.com/office/powerpoint/2012/main">
         <p15:guide id="1" orient="horz" pos="2160">
           <p15:clr>
             <a:srgbClr val="A4A3A4"/>
@@ -225,7 +225,7 @@
           <a:p>
             <a:fld id="{17CE5FC2-85F4-4A6F-9A4A-90CA1BDC0303}" type="datetimeFigureOut">
               <a:rPr lang="en-US" smtClean="0"/>
-              <a:t>12/16/14</a:t>
+              <a:t>12/17/2014</a:t>
             </a:fld>
             <a:endParaRPr lang="en-US"/>
           </a:p>
@@ -719,7 +719,19 @@
               <a:rPr lang="en-US" baseline="0" dirty="0" smtClean="0">
                 <a:sym typeface="Wingdings" panose="05000000000000000000" pitchFamily="2" charset="2"/>
               </a:rPr>
-              <a:t>1) We will have a standard HTTP REST API to which our iOS client app can make requests</a:t>
+              <a:t>1) We will have a standard HTTP </a:t>
+            </a:r>
+            <a:r>
+              <a:rPr lang="en-US" baseline="0" dirty="0" smtClean="0">
+                <a:sym typeface="Wingdings" panose="05000000000000000000" pitchFamily="2" charset="2"/>
+              </a:rPr>
+              <a:t>API </a:t>
+            </a:r>
+            <a:r>
+              <a:rPr lang="en-US" baseline="0" dirty="0" smtClean="0">
+                <a:sym typeface="Wingdings" panose="05000000000000000000" pitchFamily="2" charset="2"/>
+              </a:rPr>
+              <a:t>to which our iOS client app can make requests</a:t>
             </a:r>
           </a:p>
           <a:p>
@@ -1275,7 +1287,7 @@
           <a:p>
             <a:fld id="{8D21E65C-9A1B-A246-A95A-EE221E9A05F8}" type="datetimeFigureOut">
               <a:rPr lang="en-US" smtClean="0"/>
-              <a:t>12/16/14</a:t>
+              <a:t>12/17/2014</a:t>
             </a:fld>
             <a:endParaRPr lang="en-US"/>
           </a:p>
@@ -1468,7 +1480,7 @@
           <a:p>
             <a:fld id="{8D21E65C-9A1B-A246-A95A-EE221E9A05F8}" type="datetimeFigureOut">
               <a:rPr lang="en-US" smtClean="0"/>
-              <a:t>12/16/14</a:t>
+              <a:t>12/17/2014</a:t>
             </a:fld>
             <a:endParaRPr lang="en-US"/>
           </a:p>
@@ -1737,7 +1749,7 @@
           <a:p>
             <a:fld id="{8D21E65C-9A1B-A246-A95A-EE221E9A05F8}" type="datetimeFigureOut">
               <a:rPr lang="en-US" smtClean="0"/>
-              <a:t>12/16/14</a:t>
+              <a:t>12/17/2014</a:t>
             </a:fld>
             <a:endParaRPr lang="en-US"/>
           </a:p>
@@ -1916,7 +1928,7 @@
           <a:p>
             <a:fld id="{8D21E65C-9A1B-A246-A95A-EE221E9A05F8}" type="datetimeFigureOut">
               <a:rPr lang="en-US" smtClean="0"/>
-              <a:t>12/16/14</a:t>
+              <a:t>12/17/2014</a:t>
             </a:fld>
             <a:endParaRPr lang="en-US"/>
           </a:p>
@@ -2085,7 +2097,7 @@
           <a:p>
             <a:fld id="{8D21E65C-9A1B-A246-A95A-EE221E9A05F8}" type="datetimeFigureOut">
               <a:rPr lang="en-US" smtClean="0"/>
-              <a:t>12/16/14</a:t>
+              <a:t>12/17/2014</a:t>
             </a:fld>
             <a:endParaRPr lang="en-US"/>
           </a:p>
@@ -2327,7 +2339,7 @@
           <a:p>
             <a:fld id="{8D21E65C-9A1B-A246-A95A-EE221E9A05F8}" type="datetimeFigureOut">
               <a:rPr lang="en-US" smtClean="0"/>
-              <a:t>12/16/14</a:t>
+              <a:t>12/17/2014</a:t>
             </a:fld>
             <a:endParaRPr lang="en-US"/>
           </a:p>
@@ -2650,7 +2662,7 @@
           <a:p>
             <a:fld id="{8D21E65C-9A1B-A246-A95A-EE221E9A05F8}" type="datetimeFigureOut">
               <a:rPr lang="en-US" smtClean="0"/>
-              <a:t>12/16/14</a:t>
+              <a:t>12/17/2014</a:t>
             </a:fld>
             <a:endParaRPr lang="en-US"/>
           </a:p>
@@ -2948,7 +2960,7 @@
           <a:p>
             <a:fld id="{8D21E65C-9A1B-A246-A95A-EE221E9A05F8}" type="datetimeFigureOut">
               <a:rPr lang="en-US" smtClean="0"/>
-              <a:t>12/16/14</a:t>
+              <a:t>12/17/2014</a:t>
             </a:fld>
             <a:endParaRPr lang="en-US"/>
           </a:p>
@@ -3404,7 +3416,7 @@
           <a:p>
             <a:fld id="{8D21E65C-9A1B-A246-A95A-EE221E9A05F8}" type="datetimeFigureOut">
               <a:rPr lang="en-US" smtClean="0"/>
-              <a:t>12/16/14</a:t>
+              <a:t>12/17/2014</a:t>
             </a:fld>
             <a:endParaRPr lang="en-US"/>
           </a:p>
@@ -3517,7 +3529,7 @@
           <a:p>
             <a:fld id="{8D21E65C-9A1B-A246-A95A-EE221E9A05F8}" type="datetimeFigureOut">
               <a:rPr lang="en-US" smtClean="0"/>
-              <a:t>12/16/14</a:t>
+              <a:t>12/17/2014</a:t>
             </a:fld>
             <a:endParaRPr lang="en-US"/>
           </a:p>
@@ -3607,7 +3619,7 @@
           <a:p>
             <a:fld id="{8D21E65C-9A1B-A246-A95A-EE221E9A05F8}" type="datetimeFigureOut">
               <a:rPr lang="en-US" smtClean="0"/>
-              <a:t>12/16/14</a:t>
+              <a:t>12/17/2014</a:t>
             </a:fld>
             <a:endParaRPr lang="en-US"/>
           </a:p>
@@ -3889,7 +3901,7 @@
           <a:p>
             <a:fld id="{8D21E65C-9A1B-A246-A95A-EE221E9A05F8}" type="datetimeFigureOut">
               <a:rPr lang="en-US" smtClean="0"/>
-              <a:t>12/16/14</a:t>
+              <a:t>12/17/2014</a:t>
             </a:fld>
             <a:endParaRPr lang="en-US"/>
           </a:p>
@@ -4096,7 +4108,7 @@
           <a:p>
             <a:fld id="{8D21E65C-9A1B-A246-A95A-EE221E9A05F8}" type="datetimeFigureOut">
               <a:rPr lang="en-US" smtClean="0"/>
-              <a:t>12/16/14</a:t>
+              <a:t>12/17/2014</a:t>
             </a:fld>
             <a:endParaRPr lang="en-US"/>
           </a:p>
@@ -4690,7 +4702,7 @@
   <p:timing>
     <p:tnLst>
       <p:par>
-        <p:cTn xmlns:p14="http://schemas.microsoft.com/office/powerpoint/2010/main" id="1" dur="indefinite" restart="never" nodeType="tmRoot"/>
+        <p:cTn id="1" dur="indefinite" restart="never" nodeType="tmRoot"/>
       </p:par>
     </p:tnLst>
   </p:timing>
@@ -4824,7 +4836,7 @@
   <p:timing>
     <p:tnLst>
       <p:par>
-        <p:cTn xmlns:p14="http://schemas.microsoft.com/office/powerpoint/2010/main" id="1" dur="indefinite" restart="never" nodeType="tmRoot"/>
+        <p:cTn id="1" dur="indefinite" restart="never" nodeType="tmRoot"/>
       </p:par>
     </p:tnLst>
   </p:timing>
@@ -4884,11 +4896,13 @@
         <p:spPr>
           <a:xfrm>
             <a:off x="566208" y="1617134"/>
-            <a:ext cx="8042276" cy="4343400"/>
+            <a:ext cx="8042276" cy="4614702"/>
           </a:xfrm>
         </p:spPr>
         <p:txBody>
-          <a:bodyPr/>
+          <a:bodyPr>
+            <a:normAutofit fontScale="92500" lnSpcReduction="10000"/>
+          </a:bodyPr>
           <a:lstStyle/>
           <a:p>
             <a:r>
@@ -4907,8 +4921,41 @@
             <a:pPr lvl="1"/>
             <a:r>
               <a:rPr lang="en-US" dirty="0" smtClean="0"/>
-              <a:t>Push Notification (Developer to Common User)</a:t>
-            </a:r>
+              <a:t>Push Notification (Developer to Common User</a:t>
+            </a:r>
+            <a:r>
+              <a:rPr lang="en-US" dirty="0" smtClean="0"/>
+              <a:t>)</a:t>
+            </a:r>
+          </a:p>
+          <a:p>
+            <a:pPr lvl="1"/>
+            <a:r>
+              <a:rPr lang="en-US" dirty="0" smtClean="0"/>
+              <a:t>“Common” User:</a:t>
+            </a:r>
+          </a:p>
+          <a:p>
+            <a:pPr lvl="2"/>
+            <a:r>
+              <a:rPr lang="en-US" dirty="0" smtClean="0"/>
+              <a:t>sign-up</a:t>
+            </a:r>
+          </a:p>
+          <a:p>
+            <a:pPr lvl="2"/>
+            <a:r>
+              <a:rPr lang="en-US" dirty="0" smtClean="0"/>
+              <a:t>(multiple) device registration</a:t>
+            </a:r>
+          </a:p>
+          <a:p>
+            <a:pPr lvl="2"/>
+            <a:r>
+              <a:rPr lang="en-US" dirty="0" smtClean="0"/>
+              <a:t>Forwarding fully implemented server-side</a:t>
+            </a:r>
+            <a:endParaRPr lang="en-US" dirty="0" smtClean="0"/>
           </a:p>
           <a:p>
             <a:r>
@@ -5025,7 +5072,9 @@
         </p:nvSpPr>
         <p:spPr/>
         <p:txBody>
-          <a:bodyPr/>
+          <a:bodyPr>
+            <a:normAutofit/>
+          </a:bodyPr>
           <a:lstStyle/>
           <a:p>
             <a:r>
@@ -5040,31 +5089,47 @@
               <a:t>Create </a:t>
             </a:r>
             <a:r>
-              <a:rPr lang="en-US" dirty="0" err="1"/>
-              <a:t>d</a:t>
-            </a:r>
-            <a:r>
-              <a:rPr lang="en-US" dirty="0" err="1" smtClean="0"/>
-              <a:t>ev</a:t>
-            </a:r>
-            <a:r>
               <a:rPr lang="en-US" dirty="0" smtClean="0"/>
-              <a:t> account</a:t>
+              <a:t>developer </a:t>
+            </a:r>
+            <a:r>
+              <a:rPr lang="en-US" dirty="0" smtClean="0"/>
+              <a:t>account</a:t>
             </a:r>
           </a:p>
           <a:p>
             <a:pPr lvl="1"/>
             <a:r>
               <a:rPr lang="en-US" dirty="0" smtClean="0"/>
-              <a:t>Create streams by topic</a:t>
+              <a:t>Create </a:t>
+            </a:r>
+            <a:r>
+              <a:rPr lang="en-US" dirty="0" smtClean="0"/>
+              <a:t>subscriptions by </a:t>
+            </a:r>
+            <a:r>
+              <a:rPr lang="en-US" dirty="0" smtClean="0"/>
+              <a:t>topic</a:t>
             </a:r>
           </a:p>
           <a:p>
             <a:pPr lvl="1"/>
             <a:r>
               <a:rPr lang="en-US" dirty="0" smtClean="0"/>
-              <a:t>Push notifications to subscribers</a:t>
-            </a:r>
+              <a:t>Push notifications to </a:t>
+            </a:r>
+            <a:r>
+              <a:rPr lang="en-US" dirty="0" smtClean="0"/>
+              <a:t>subscribers</a:t>
+            </a:r>
+          </a:p>
+          <a:p>
+            <a:pPr lvl="2"/>
+            <a:r>
+              <a:rPr lang="en-US" dirty="0" smtClean="0"/>
+              <a:t>Notifications have an optional URL parameter</a:t>
+            </a:r>
+            <a:endParaRPr lang="en-US" dirty="0" smtClean="0"/>
           </a:p>
           <a:p>
             <a:r>
@@ -5274,7 +5339,7 @@
   <p:timing>
     <p:tnLst>
       <p:par>
-        <p:cTn xmlns:p14="http://schemas.microsoft.com/office/powerpoint/2010/main" id="1" dur="indefinite" restart="never" nodeType="tmRoot">
+        <p:cTn id="1" dur="indefinite" restart="never" nodeType="tmRoot">
           <p:childTnLst>
             <p:seq concurrent="1" nextAc="seek">
               <p:cTn id="2" dur="indefinite" nodeType="mainSeq">
@@ -5656,7 +5721,7 @@
   <p:timing>
     <p:tnLst>
       <p:par>
-        <p:cTn xmlns:p14="http://schemas.microsoft.com/office/powerpoint/2010/main" id="1" dur="indefinite" restart="never" nodeType="tmRoot"/>
+        <p:cTn id="1" dur="indefinite" restart="never" nodeType="tmRoot"/>
       </p:par>
     </p:tnLst>
   </p:timing>
@@ -5987,7 +6052,7 @@
   <p:timing>
     <p:tnLst>
       <p:par>
-        <p:cTn xmlns:p14="http://schemas.microsoft.com/office/powerpoint/2010/main" id="1" dur="indefinite" restart="never" nodeType="tmRoot"/>
+        <p:cTn id="1" dur="indefinite" restart="never" nodeType="tmRoot"/>
       </p:par>
     </p:tnLst>
   </p:timing>
@@ -6085,7 +6150,7 @@
   <p:timing>
     <p:tnLst>
       <p:par>
-        <p:cTn xmlns:p14="http://schemas.microsoft.com/office/powerpoint/2010/main" id="1" dur="indefinite" restart="never" nodeType="tmRoot"/>
+        <p:cTn id="1" dur="indefinite" restart="never" nodeType="tmRoot"/>
       </p:par>
     </p:tnLst>
   </p:timing>
@@ -6303,7 +6368,7 @@
   <p:timing>
     <p:tnLst>
       <p:par>
-        <p:cTn xmlns:p14="http://schemas.microsoft.com/office/powerpoint/2010/main" id="1" dur="indefinite" restart="never" nodeType="tmRoot">
+        <p:cTn id="1" dur="indefinite" restart="never" nodeType="tmRoot">
           <p:childTnLst>
             <p:seq concurrent="1" nextAc="seek">
               <p:cTn id="2" dur="indefinite" nodeType="mainSeq">
@@ -6447,7 +6512,15 @@
           <a:p>
             <a:r>
               <a:rPr lang="en-US" dirty="0" smtClean="0"/>
-              <a:t>Create simple REST API for publishing notifications</a:t>
+              <a:t>Create </a:t>
+            </a:r>
+            <a:r>
+              <a:rPr lang="en-US" dirty="0" smtClean="0"/>
+              <a:t>simple, defined API </a:t>
+            </a:r>
+            <a:r>
+              <a:rPr lang="en-US" dirty="0" smtClean="0"/>
+              <a:t>for publishing notifications</a:t>
             </a:r>
           </a:p>
           <a:p>
@@ -6478,122 +6551,6 @@
 </file>
 
 <file path=ppt/slides/slide5.xml><?xml version="1.0" encoding="utf-8"?>
-<p:sld xmlns:a="http://schemas.openxmlformats.org/drawingml/2006/main" xmlns:r="http://schemas.openxmlformats.org/officeDocument/2006/relationships" xmlns:p="http://schemas.openxmlformats.org/presentationml/2006/main">
-  <p:cSld>
-    <p:spTree>
-      <p:nvGrpSpPr>
-        <p:cNvPr id="1" name=""/>
-        <p:cNvGrpSpPr/>
-        <p:nvPr/>
-      </p:nvGrpSpPr>
-      <p:grpSpPr>
-        <a:xfrm>
-          <a:off x="0" y="0"/>
-          <a:ext cx="0" cy="0"/>
-          <a:chOff x="0" y="0"/>
-          <a:chExt cx="0" cy="0"/>
-        </a:xfrm>
-      </p:grpSpPr>
-      <p:sp>
-        <p:nvSpPr>
-          <p:cNvPr id="2" name="Title 1"/>
-          <p:cNvSpPr>
-            <a:spLocks noGrp="1"/>
-          </p:cNvSpPr>
-          <p:nvPr>
-            <p:ph type="title"/>
-          </p:nvPr>
-        </p:nvSpPr>
-        <p:spPr/>
-        <p:txBody>
-          <a:bodyPr/>
-          <a:lstStyle/>
-          <a:p>
-            <a:r>
-              <a:rPr lang="en-US" dirty="0" smtClean="0"/>
-              <a:t>High Level Architecture</a:t>
-            </a:r>
-            <a:endParaRPr lang="en-US" dirty="0"/>
-          </a:p>
-        </p:txBody>
-      </p:sp>
-      <p:sp>
-        <p:nvSpPr>
-          <p:cNvPr id="3" name="Content Placeholder 2"/>
-          <p:cNvSpPr>
-            <a:spLocks noGrp="1"/>
-          </p:cNvSpPr>
-          <p:nvPr>
-            <p:ph idx="1"/>
-          </p:nvPr>
-        </p:nvSpPr>
-        <p:spPr/>
-        <p:txBody>
-          <a:bodyPr/>
-          <a:lstStyle/>
-          <a:p>
-            <a:r>
-              <a:rPr lang="en-US" dirty="0" smtClean="0"/>
-              <a:t>Server- </a:t>
-            </a:r>
-            <a:r>
-              <a:rPr lang="en-US" dirty="0" err="1" smtClean="0"/>
-              <a:t>Django</a:t>
-            </a:r>
-            <a:r>
-              <a:rPr lang="en-US" dirty="0" smtClean="0"/>
-              <a:t>, MySQL, JSON</a:t>
-            </a:r>
-          </a:p>
-          <a:p>
-            <a:r>
-              <a:rPr lang="en-US" dirty="0" smtClean="0"/>
-              <a:t>Developer Sign-Up Web Form</a:t>
-            </a:r>
-          </a:p>
-          <a:p>
-            <a:r>
-              <a:rPr lang="en-US" dirty="0" smtClean="0"/>
-              <a:t>Custom </a:t>
-            </a:r>
-            <a:r>
-              <a:rPr lang="en-US" dirty="0" err="1" smtClean="0"/>
-              <a:t>Headlist</a:t>
-            </a:r>
-            <a:r>
-              <a:rPr lang="en-US" dirty="0" smtClean="0"/>
-              <a:t> API </a:t>
-            </a:r>
-          </a:p>
-          <a:p>
-            <a:r>
-              <a:rPr lang="en-US" dirty="0" err="1" smtClean="0"/>
-              <a:t>iOS</a:t>
-            </a:r>
-            <a:r>
-              <a:rPr lang="en-US" dirty="0" smtClean="0"/>
-              <a:t> Application for Common Users- Swift</a:t>
-            </a:r>
-          </a:p>
-          <a:p>
-            <a:endParaRPr lang="en-US" dirty="0"/>
-          </a:p>
-        </p:txBody>
-      </p:sp>
-    </p:spTree>
-    <p:extLst>
-      <p:ext uri="{BB962C8B-B14F-4D97-AF65-F5344CB8AC3E}">
-        <p14:creationId xmlns:p14="http://schemas.microsoft.com/office/powerpoint/2010/main" val="4276638811"/>
-      </p:ext>
-    </p:extLst>
-  </p:cSld>
-  <p:clrMapOvr>
-    <a:masterClrMapping/>
-  </p:clrMapOvr>
-</p:sld>
-</file>
-
-<file path=ppt/slides/slide6.xml><?xml version="1.0" encoding="utf-8"?>
 <p:sld xmlns:a="http://schemas.openxmlformats.org/drawingml/2006/main" xmlns:r="http://schemas.openxmlformats.org/officeDocument/2006/relationships" xmlns:p="http://schemas.openxmlformats.org/presentationml/2006/main">
   <p:cSld>
     <p:spTree>
@@ -6713,10 +6670,139 @@
   <p:timing>
     <p:tnLst>
       <p:par>
-        <p:cTn xmlns:p14="http://schemas.microsoft.com/office/powerpoint/2010/main" id="1" dur="indefinite" restart="never" nodeType="tmRoot"/>
+        <p:cTn id="1" dur="indefinite" restart="never" nodeType="tmRoot"/>
       </p:par>
     </p:tnLst>
   </p:timing>
+</p:sld>
+</file>
+
+<file path=ppt/slides/slide6.xml><?xml version="1.0" encoding="utf-8"?>
+<p:sld xmlns:a="http://schemas.openxmlformats.org/drawingml/2006/main" xmlns:r="http://schemas.openxmlformats.org/officeDocument/2006/relationships" xmlns:p="http://schemas.openxmlformats.org/presentationml/2006/main">
+  <p:cSld>
+    <p:spTree>
+      <p:nvGrpSpPr>
+        <p:cNvPr id="1" name=""/>
+        <p:cNvGrpSpPr/>
+        <p:nvPr/>
+      </p:nvGrpSpPr>
+      <p:grpSpPr>
+        <a:xfrm>
+          <a:off x="0" y="0"/>
+          <a:ext cx="0" cy="0"/>
+          <a:chOff x="0" y="0"/>
+          <a:chExt cx="0" cy="0"/>
+        </a:xfrm>
+      </p:grpSpPr>
+      <p:sp>
+        <p:nvSpPr>
+          <p:cNvPr id="2" name="Title 1"/>
+          <p:cNvSpPr>
+            <a:spLocks noGrp="1"/>
+          </p:cNvSpPr>
+          <p:nvPr>
+            <p:ph type="title"/>
+          </p:nvPr>
+        </p:nvSpPr>
+        <p:spPr/>
+        <p:txBody>
+          <a:bodyPr/>
+          <a:lstStyle/>
+          <a:p>
+            <a:r>
+              <a:rPr lang="en-US" dirty="0" smtClean="0"/>
+              <a:t>High Level Architecture</a:t>
+            </a:r>
+            <a:endParaRPr lang="en-US" dirty="0"/>
+          </a:p>
+        </p:txBody>
+      </p:sp>
+      <p:sp>
+        <p:nvSpPr>
+          <p:cNvPr id="3" name="Content Placeholder 2"/>
+          <p:cNvSpPr>
+            <a:spLocks noGrp="1"/>
+          </p:cNvSpPr>
+          <p:nvPr>
+            <p:ph idx="1"/>
+          </p:nvPr>
+        </p:nvSpPr>
+        <p:spPr/>
+        <p:txBody>
+          <a:bodyPr/>
+          <a:lstStyle/>
+          <a:p>
+            <a:r>
+              <a:rPr lang="en-US" dirty="0" smtClean="0"/>
+              <a:t>Server – </a:t>
+            </a:r>
+            <a:r>
+              <a:rPr lang="en-US" dirty="0" err="1" smtClean="0"/>
+              <a:t>Django</a:t>
+            </a:r>
+            <a:r>
+              <a:rPr lang="en-US" dirty="0" smtClean="0"/>
+              <a:t> with </a:t>
+            </a:r>
+            <a:r>
+              <a:rPr lang="en-US" dirty="0" err="1" smtClean="0"/>
+              <a:t>pyapns</a:t>
+            </a:r>
+            <a:r>
+              <a:rPr lang="en-US" dirty="0" smtClean="0"/>
+              <a:t>, </a:t>
+            </a:r>
+            <a:r>
+              <a:rPr lang="en-US" dirty="0" smtClean="0"/>
+              <a:t>MySQL, JSON</a:t>
+            </a:r>
+          </a:p>
+          <a:p>
+            <a:r>
+              <a:rPr lang="en-US" dirty="0" smtClean="0"/>
+              <a:t>Developer Sign-Up Web Form</a:t>
+            </a:r>
+          </a:p>
+          <a:p>
+            <a:r>
+              <a:rPr lang="en-US" dirty="0" smtClean="0"/>
+              <a:t>Documented POST API for Developers</a:t>
+            </a:r>
+            <a:endParaRPr lang="en-US" dirty="0" smtClean="0"/>
+          </a:p>
+          <a:p>
+            <a:r>
+              <a:rPr lang="en-US" dirty="0" smtClean="0"/>
+              <a:t>iOS Application for </a:t>
+            </a:r>
+            <a:r>
+              <a:rPr lang="en-US" dirty="0" smtClean="0"/>
+              <a:t>“Common” Users – Swift</a:t>
+            </a:r>
+          </a:p>
+          <a:p>
+            <a:pPr lvl="1"/>
+            <a:r>
+              <a:rPr lang="en-US" dirty="0" smtClean="0"/>
+              <a:t>Communicates with separate POST API requests</a:t>
+            </a:r>
+            <a:endParaRPr lang="en-US" dirty="0" smtClean="0"/>
+          </a:p>
+          <a:p>
+            <a:endParaRPr lang="en-US" dirty="0"/>
+          </a:p>
+        </p:txBody>
+      </p:sp>
+    </p:spTree>
+    <p:extLst>
+      <p:ext uri="{BB962C8B-B14F-4D97-AF65-F5344CB8AC3E}">
+        <p14:creationId xmlns:p14="http://schemas.microsoft.com/office/powerpoint/2010/main" val="4276638811"/>
+      </p:ext>
+    </p:extLst>
+  </p:cSld>
+  <p:clrMapOvr>
+    <a:masterClrMapping/>
+  </p:clrMapOvr>
 </p:sld>
 </file>
 
@@ -6760,36 +6846,41 @@
           </a:p>
         </p:txBody>
       </p:sp>
-      <p:pic>
-        <p:nvPicPr>
-          <p:cNvPr id="4" name="Content Placeholder 3" descr="code_6x4.png"/>
-          <p:cNvPicPr>
-            <a:picLocks noGrp="1" noChangeAspect="1"/>
-          </p:cNvPicPr>
+      <p:sp>
+        <p:nvSpPr>
+          <p:cNvPr id="3" name="Content Placeholder 2"/>
+          <p:cNvSpPr>
+            <a:spLocks noGrp="1"/>
+          </p:cNvSpPr>
           <p:nvPr>
             <p:ph idx="1"/>
           </p:nvPr>
-        </p:nvPicPr>
-        <p:blipFill>
-          <a:blip r:embed="rId2">
-            <a:extLst>
-              <a:ext uri="{28A0092B-C50C-407E-A947-70E740481C1C}">
-                <a14:useLocalDpi xmlns:a14="http://schemas.microsoft.com/office/drawing/2010/main" val="0"/>
-              </a:ext>
-            </a:extLst>
-          </a:blip>
-          <a:srcRect t="13995" b="13995"/>
-          <a:stretch>
-            <a:fillRect/>
-          </a:stretch>
-        </p:blipFill>
-        <p:spPr>
-          <a:xfrm>
-            <a:off x="549275" y="1600200"/>
-            <a:ext cx="8042276" cy="4444999"/>
-          </a:xfrm>
-        </p:spPr>
-      </p:pic>
+        </p:nvSpPr>
+        <p:spPr/>
+        <p:txBody>
+          <a:bodyPr/>
+          <a:lstStyle/>
+          <a:p>
+            <a:r>
+              <a:rPr lang="en-US" dirty="0" smtClean="0"/>
+              <a:t>Flow of pushing a notification from a Developer to his/her subscribers</a:t>
+            </a:r>
+          </a:p>
+          <a:p>
+            <a:r>
+              <a:rPr lang="en-US" dirty="0" smtClean="0"/>
+              <a:t>Personal Subscription List for forwarding capabilities</a:t>
+            </a:r>
+          </a:p>
+          <a:p>
+            <a:r>
+              <a:rPr lang="en-US" dirty="0" smtClean="0"/>
+              <a:t>JSON POST request from iOS</a:t>
+            </a:r>
+            <a:endParaRPr lang="en-US" dirty="0"/>
+          </a:p>
+        </p:txBody>
+      </p:sp>
     </p:spTree>
     <p:extLst>
       <p:ext uri="{BB962C8B-B14F-4D97-AF65-F5344CB8AC3E}">
@@ -7444,7 +7535,7 @@
   <a:extraClrSchemeLst/>
   <a:extLst>
     <a:ext uri="{05A4C25C-085E-4340-85A3-A5531E510DB2}">
-      <thm15:themeFamily xmlns:thm15="http://schemas.microsoft.com/office/thememl/2012/main" xmlns="" name="Office Theme" id="{62F939B6-93AF-4DB8-9C6B-D6C7DFDC589F}" vid="{4A3C46E8-61CC-4603-A589-7422A47A8E4A}"/>
+      <thm15:themeFamily xmlns:thm15="http://schemas.microsoft.com/office/thememl/2012/main" name="Office Theme" id="{62F939B6-93AF-4DB8-9C6B-D6C7DFDC589F}" vid="{4A3C46E8-61CC-4603-A589-7422A47A8E4A}"/>
     </a:ext>
   </a:extLst>
 </a:theme>
